--- a/캡스톤v2.0.pptx
+++ b/캡스톤v2.0.pptx
@@ -7,27 +7,28 @@
     <p:sldMasterId id="2147483690" r:id="rId3"/>
   </p:sldMasterIdLst>
   <p:notesMasterIdLst>
-    <p:notesMasterId r:id="rId22"/>
+    <p:notesMasterId r:id="rId23"/>
   </p:notesMasterIdLst>
   <p:sldIdLst>
     <p:sldId id="256" r:id="rId4"/>
     <p:sldId id="260" r:id="rId5"/>
-    <p:sldId id="270" r:id="rId6"/>
-    <p:sldId id="278" r:id="rId7"/>
-    <p:sldId id="280" r:id="rId8"/>
-    <p:sldId id="284" r:id="rId9"/>
-    <p:sldId id="285" r:id="rId10"/>
-    <p:sldId id="286" r:id="rId11"/>
-    <p:sldId id="287" r:id="rId12"/>
-    <p:sldId id="288" r:id="rId13"/>
-    <p:sldId id="289" r:id="rId14"/>
-    <p:sldId id="275" r:id="rId15"/>
-    <p:sldId id="261" r:id="rId16"/>
-    <p:sldId id="279" r:id="rId17"/>
-    <p:sldId id="281" r:id="rId18"/>
-    <p:sldId id="282" r:id="rId19"/>
-    <p:sldId id="283" r:id="rId20"/>
-    <p:sldId id="273" r:id="rId21"/>
+    <p:sldId id="290" r:id="rId6"/>
+    <p:sldId id="270" r:id="rId7"/>
+    <p:sldId id="278" r:id="rId8"/>
+    <p:sldId id="280" r:id="rId9"/>
+    <p:sldId id="284" r:id="rId10"/>
+    <p:sldId id="285" r:id="rId11"/>
+    <p:sldId id="286" r:id="rId12"/>
+    <p:sldId id="287" r:id="rId13"/>
+    <p:sldId id="288" r:id="rId14"/>
+    <p:sldId id="289" r:id="rId15"/>
+    <p:sldId id="275" r:id="rId16"/>
+    <p:sldId id="261" r:id="rId17"/>
+    <p:sldId id="279" r:id="rId18"/>
+    <p:sldId id="281" r:id="rId19"/>
+    <p:sldId id="282" r:id="rId20"/>
+    <p:sldId id="283" r:id="rId21"/>
+    <p:sldId id="273" r:id="rId22"/>
   </p:sldIdLst>
   <p:sldSz cx="12192000" cy="6858000"/>
   <p:notesSz cx="6858000" cy="9144000"/>
@@ -832,7 +833,7 @@
           <a:p>
             <a:fld id="{668A0090-B6F4-4BCE-98F4-6F2108515ED4}" type="slidenum">
               <a:rPr lang="ko-KR" altLang="en-US" smtClean="0"/>
-              <a:t>14</a:t>
+              <a:t>15</a:t>
             </a:fld>
             <a:endParaRPr lang="ko-KR" altLang="en-US"/>
           </a:p>
@@ -927,7 +928,7 @@
           <a:p>
             <a:fld id="{668A0090-B6F4-4BCE-98F4-6F2108515ED4}" type="slidenum">
               <a:rPr lang="ko-KR" altLang="en-US" smtClean="0"/>
-              <a:t>15</a:t>
+              <a:t>16</a:t>
             </a:fld>
             <a:endParaRPr lang="ko-KR" altLang="en-US"/>
           </a:p>
@@ -1022,7 +1023,7 @@
           <a:p>
             <a:fld id="{668A0090-B6F4-4BCE-98F4-6F2108515ED4}" type="slidenum">
               <a:rPr lang="ko-KR" altLang="en-US" smtClean="0"/>
-              <a:t>16</a:t>
+              <a:t>17</a:t>
             </a:fld>
             <a:endParaRPr lang="ko-KR" altLang="en-US"/>
           </a:p>
@@ -1132,7 +1133,7 @@
           <a:p>
             <a:fld id="{668A0090-B6F4-4BCE-98F4-6F2108515ED4}" type="slidenum">
               <a:rPr lang="ko-KR" altLang="en-US" smtClean="0"/>
-              <a:t>3</a:t>
+              <a:t>4</a:t>
             </a:fld>
             <a:endParaRPr lang="ko-KR" altLang="en-US"/>
           </a:p>
@@ -1227,7 +1228,7 @@
           <a:p>
             <a:fld id="{668A0090-B6F4-4BCE-98F4-6F2108515ED4}" type="slidenum">
               <a:rPr lang="ko-KR" altLang="en-US" smtClean="0"/>
-              <a:t>6</a:t>
+              <a:t>7</a:t>
             </a:fld>
             <a:endParaRPr lang="ko-KR" altLang="en-US"/>
           </a:p>
@@ -1322,7 +1323,7 @@
           <a:p>
             <a:fld id="{668A0090-B6F4-4BCE-98F4-6F2108515ED4}" type="slidenum">
               <a:rPr lang="ko-KR" altLang="en-US" smtClean="0"/>
-              <a:t>7</a:t>
+              <a:t>8</a:t>
             </a:fld>
             <a:endParaRPr lang="ko-KR" altLang="en-US"/>
           </a:p>
@@ -1417,7 +1418,7 @@
           <a:p>
             <a:fld id="{668A0090-B6F4-4BCE-98F4-6F2108515ED4}" type="slidenum">
               <a:rPr lang="ko-KR" altLang="en-US" smtClean="0"/>
-              <a:t>8</a:t>
+              <a:t>9</a:t>
             </a:fld>
             <a:endParaRPr lang="ko-KR" altLang="en-US"/>
           </a:p>
@@ -1512,7 +1513,7 @@
           <a:p>
             <a:fld id="{668A0090-B6F4-4BCE-98F4-6F2108515ED4}" type="slidenum">
               <a:rPr lang="ko-KR" altLang="en-US" smtClean="0"/>
-              <a:t>9</a:t>
+              <a:t>10</a:t>
             </a:fld>
             <a:endParaRPr lang="ko-KR" altLang="en-US"/>
           </a:p>
@@ -1607,7 +1608,7 @@
           <a:p>
             <a:fld id="{668A0090-B6F4-4BCE-98F4-6F2108515ED4}" type="slidenum">
               <a:rPr lang="ko-KR" altLang="en-US" smtClean="0"/>
-              <a:t>10</a:t>
+              <a:t>11</a:t>
             </a:fld>
             <a:endParaRPr lang="ko-KR" altLang="en-US"/>
           </a:p>
@@ -1702,7 +1703,7 @@
           <a:p>
             <a:fld id="{668A0090-B6F4-4BCE-98F4-6F2108515ED4}" type="slidenum">
               <a:rPr lang="ko-KR" altLang="en-US" smtClean="0"/>
-              <a:t>11</a:t>
+              <a:t>12</a:t>
             </a:fld>
             <a:endParaRPr lang="ko-KR" altLang="en-US"/>
           </a:p>
@@ -1797,7 +1798,7 @@
           <a:p>
             <a:fld id="{668A0090-B6F4-4BCE-98F4-6F2108515ED4}" type="slidenum">
               <a:rPr lang="ko-KR" altLang="en-US" smtClean="0"/>
-              <a:t>13</a:t>
+              <a:t>14</a:t>
             </a:fld>
             <a:endParaRPr lang="ko-KR" altLang="en-US"/>
           </a:p>
@@ -29503,6 +29504,232 @@
             </a:pPr>
             <a:r>
               <a:rPr lang="ko-KR" altLang="en-US" dirty="0"/>
+              <a:t>페이지 설명</a:t>
+            </a:r>
+          </a:p>
+        </p:txBody>
+      </p:sp>
+      <p:cxnSp>
+        <p:nvCxnSpPr>
+          <p:cNvPr id="8" name="직선 연결선 7">
+            <a:extLst>
+              <a:ext uri="{FF2B5EF4-FFF2-40B4-BE49-F238E27FC236}">
+                <a16:creationId xmlns:a16="http://schemas.microsoft.com/office/drawing/2014/main" id="{6201F1FF-9D4B-4BBB-97B0-1BD013763669}"/>
+              </a:ext>
+            </a:extLst>
+          </p:cNvPr>
+          <p:cNvCxnSpPr>
+            <a:cxnSpLocks/>
+          </p:cNvCxnSpPr>
+          <p:nvPr/>
+        </p:nvCxnSpPr>
+        <p:spPr>
+          <a:xfrm>
+            <a:off x="961121" y="2523467"/>
+            <a:ext cx="2877548" cy="0"/>
+          </a:xfrm>
+          <a:prstGeom prst="line">
+            <a:avLst/>
+          </a:prstGeom>
+        </p:spPr>
+        <p:style>
+          <a:lnRef idx="2">
+            <a:schemeClr val="dk1"/>
+          </a:lnRef>
+          <a:fillRef idx="0">
+            <a:schemeClr val="dk1"/>
+          </a:fillRef>
+          <a:effectRef idx="1">
+            <a:schemeClr val="dk1"/>
+          </a:effectRef>
+          <a:fontRef idx="minor">
+            <a:schemeClr val="tx1"/>
+          </a:fontRef>
+        </p:style>
+      </p:cxnSp>
+      <p:pic>
+        <p:nvPicPr>
+          <p:cNvPr id="2050" name="Picture 2">
+            <a:extLst>
+              <a:ext uri="{FF2B5EF4-FFF2-40B4-BE49-F238E27FC236}">
+                <a16:creationId xmlns:a16="http://schemas.microsoft.com/office/drawing/2014/main" id="{A63D1BEE-CB6D-4A98-88DD-7B16A82096E3}"/>
+              </a:ext>
+            </a:extLst>
+          </p:cNvPr>
+          <p:cNvPicPr>
+            <a:picLocks noChangeAspect="1" noChangeArrowheads="1"/>
+          </p:cNvPicPr>
+          <p:nvPr/>
+        </p:nvPicPr>
+        <p:blipFill>
+          <a:blip r:embed="rId3">
+            <a:extLst>
+              <a:ext uri="{28A0092B-C50C-407E-A947-70E740481C1C}">
+                <a14:useLocalDpi xmlns:a14="http://schemas.microsoft.com/office/drawing/2010/main" val="0"/>
+              </a:ext>
+            </a:extLst>
+          </a:blip>
+          <a:srcRect/>
+          <a:stretch>
+            <a:fillRect/>
+          </a:stretch>
+        </p:blipFill>
+        <p:spPr bwMode="auto">
+          <a:xfrm>
+            <a:off x="6805669" y="1952795"/>
+            <a:ext cx="5319666" cy="963337"/>
+          </a:xfrm>
+          <a:prstGeom prst="rect">
+            <a:avLst/>
+          </a:prstGeom>
+          <a:noFill/>
+          <a:extLst>
+            <a:ext uri="{909E8E84-426E-40DD-AFC4-6F175D3DCCD1}">
+              <a14:hiddenFill xmlns:a14="http://schemas.microsoft.com/office/drawing/2010/main">
+                <a:solidFill>
+                  <a:srgbClr val="FFFFFF"/>
+                </a:solidFill>
+              </a14:hiddenFill>
+            </a:ext>
+          </a:extLst>
+        </p:spPr>
+      </p:pic>
+      <p:pic>
+        <p:nvPicPr>
+          <p:cNvPr id="2052" name="Picture 4">
+            <a:extLst>
+              <a:ext uri="{FF2B5EF4-FFF2-40B4-BE49-F238E27FC236}">
+                <a16:creationId xmlns:a16="http://schemas.microsoft.com/office/drawing/2014/main" id="{02B4C663-375A-4140-90A0-1A51E95F7713}"/>
+              </a:ext>
+            </a:extLst>
+          </p:cNvPr>
+          <p:cNvPicPr>
+            <a:picLocks noChangeAspect="1" noChangeArrowheads="1"/>
+          </p:cNvPicPr>
+          <p:nvPr/>
+        </p:nvPicPr>
+        <p:blipFill>
+          <a:blip r:embed="rId4">
+            <a:extLst>
+              <a:ext uri="{28A0092B-C50C-407E-A947-70E740481C1C}">
+                <a14:useLocalDpi xmlns:a14="http://schemas.microsoft.com/office/drawing/2010/main" val="0"/>
+              </a:ext>
+            </a:extLst>
+          </a:blip>
+          <a:srcRect/>
+          <a:stretch>
+            <a:fillRect/>
+          </a:stretch>
+        </p:blipFill>
+        <p:spPr bwMode="auto">
+          <a:xfrm>
+            <a:off x="6492382" y="3670660"/>
+            <a:ext cx="5819492" cy="663874"/>
+          </a:xfrm>
+          <a:prstGeom prst="rect">
+            <a:avLst/>
+          </a:prstGeom>
+          <a:noFill/>
+          <a:extLst>
+            <a:ext uri="{909E8E84-426E-40DD-AFC4-6F175D3DCCD1}">
+              <a14:hiddenFill xmlns:a14="http://schemas.microsoft.com/office/drawing/2010/main">
+                <a:solidFill>
+                  <a:srgbClr val="FFFFFF"/>
+                </a:solidFill>
+              </a14:hiddenFill>
+            </a:ext>
+          </a:extLst>
+        </p:spPr>
+      </p:pic>
+    </p:spTree>
+    <p:extLst>
+      <p:ext uri="{BB962C8B-B14F-4D97-AF65-F5344CB8AC3E}">
+        <p14:creationId xmlns:p14="http://schemas.microsoft.com/office/powerpoint/2010/main" val="3000768405"/>
+      </p:ext>
+    </p:extLst>
+  </p:cSld>
+  <p:clrMapOvr>
+    <a:masterClrMapping/>
+  </p:clrMapOvr>
+</p:sld>
+</file>
+
+<file path=ppt/slides/slide11.xml><?xml version="1.0" encoding="utf-8"?>
+<p:sld xmlns:a="http://schemas.openxmlformats.org/drawingml/2006/main" xmlns:r="http://schemas.openxmlformats.org/officeDocument/2006/relationships" xmlns:p="http://schemas.openxmlformats.org/presentationml/2006/main">
+  <p:cSld>
+    <p:spTree>
+      <p:nvGrpSpPr>
+        <p:cNvPr id="1" name=""/>
+        <p:cNvGrpSpPr/>
+        <p:nvPr/>
+      </p:nvGrpSpPr>
+      <p:grpSpPr>
+        <a:xfrm>
+          <a:off x="0" y="0"/>
+          <a:ext cx="0" cy="0"/>
+          <a:chOff x="0" y="0"/>
+          <a:chExt cx="0" cy="0"/>
+        </a:xfrm>
+      </p:grpSpPr>
+      <p:sp>
+        <p:nvSpPr>
+          <p:cNvPr id="5" name="제목 4">
+            <a:extLst>
+              <a:ext uri="{FF2B5EF4-FFF2-40B4-BE49-F238E27FC236}">
+                <a16:creationId xmlns:a16="http://schemas.microsoft.com/office/drawing/2014/main" id="{3BF7FE75-DCE6-44C3-8976-4F4218B34DE1}"/>
+              </a:ext>
+            </a:extLst>
+          </p:cNvPr>
+          <p:cNvSpPr>
+            <a:spLocks noGrp="1"/>
+          </p:cNvSpPr>
+          <p:nvPr>
+            <p:ph type="title"/>
+          </p:nvPr>
+        </p:nvSpPr>
+        <p:spPr/>
+        <p:txBody>
+          <a:bodyPr/>
+          <a:lstStyle/>
+          <a:p>
+            <a:r>
+              <a:rPr lang="en-US" altLang="ko-KR" dirty="0"/>
+              <a:t>2</a:t>
+            </a:r>
+            <a:r>
+              <a:rPr lang="ko-KR" altLang="en-US" dirty="0"/>
+              <a:t>차 웹페이지</a:t>
+            </a:r>
+          </a:p>
+        </p:txBody>
+      </p:sp>
+      <p:sp>
+        <p:nvSpPr>
+          <p:cNvPr id="6" name="부제목 5">
+            <a:extLst>
+              <a:ext uri="{FF2B5EF4-FFF2-40B4-BE49-F238E27FC236}">
+                <a16:creationId xmlns:a16="http://schemas.microsoft.com/office/drawing/2014/main" id="{71E9C2EC-57B2-4217-8940-7DC6DF79F1BD}"/>
+              </a:ext>
+            </a:extLst>
+          </p:cNvPr>
+          <p:cNvSpPr>
+            <a:spLocks noGrp="1"/>
+          </p:cNvSpPr>
+          <p:nvPr>
+            <p:ph type="subTitle" idx="1"/>
+          </p:nvPr>
+        </p:nvSpPr>
+        <p:spPr/>
+        <p:txBody>
+          <a:bodyPr/>
+          <a:lstStyle/>
+          <a:p>
+            <a:pPr marL="482600" indent="-342900">
+              <a:buFont typeface="Wingdings" panose="05000000000000000000" pitchFamily="2" charset="2"/>
+              <a:buChar char="v"/>
+            </a:pPr>
+            <a:r>
+              <a:rPr lang="ko-KR" altLang="en-US" dirty="0"/>
               <a:t>검색 </a:t>
             </a:r>
             <a:r>
@@ -29674,7 +29901,7 @@
 </p:sld>
 </file>
 
-<file path=ppt/slides/slide11.xml><?xml version="1.0" encoding="utf-8"?>
+<file path=ppt/slides/slide12.xml><?xml version="1.0" encoding="utf-8"?>
 <p:sld xmlns:a="http://schemas.openxmlformats.org/drawingml/2006/main" xmlns:r="http://schemas.openxmlformats.org/officeDocument/2006/relationships" xmlns:p="http://schemas.openxmlformats.org/presentationml/2006/main">
   <p:cSld>
     <p:spTree>
@@ -29964,7 +30191,7 @@
 </p:sld>
 </file>
 
-<file path=ppt/slides/slide12.xml><?xml version="1.0" encoding="utf-8"?>
+<file path=ppt/slides/slide13.xml><?xml version="1.0" encoding="utf-8"?>
 <p:sld xmlns:a="http://schemas.openxmlformats.org/drawingml/2006/main" xmlns:r="http://schemas.openxmlformats.org/officeDocument/2006/relationships" xmlns:p="http://schemas.openxmlformats.org/presentationml/2006/main">
   <p:cSld>
     <p:spTree>
@@ -30066,7 +30293,7 @@
 </p:sld>
 </file>
 
-<file path=ppt/slides/slide13.xml><?xml version="1.0" encoding="utf-8"?>
+<file path=ppt/slides/slide14.xml><?xml version="1.0" encoding="utf-8"?>
 <p:sld xmlns:a="http://schemas.openxmlformats.org/drawingml/2006/main" xmlns:r="http://schemas.openxmlformats.org/officeDocument/2006/relationships" xmlns:p="http://schemas.openxmlformats.org/presentationml/2006/main">
   <p:cSld>
     <p:spTree>
@@ -30256,7 +30483,7 @@
 </p:sld>
 </file>
 
-<file path=ppt/slides/slide14.xml><?xml version="1.0" encoding="utf-8"?>
+<file path=ppt/slides/slide15.xml><?xml version="1.0" encoding="utf-8"?>
 <p:sld xmlns:a="http://schemas.openxmlformats.org/drawingml/2006/main" xmlns:r="http://schemas.openxmlformats.org/officeDocument/2006/relationships" xmlns:p="http://schemas.openxmlformats.org/presentationml/2006/main">
   <p:cSld>
     <p:spTree>
@@ -30539,7 +30766,7 @@
 </p:sld>
 </file>
 
-<file path=ppt/slides/slide15.xml><?xml version="1.0" encoding="utf-8"?>
+<file path=ppt/slides/slide16.xml><?xml version="1.0" encoding="utf-8"?>
 <p:sld xmlns:a="http://schemas.openxmlformats.org/drawingml/2006/main" xmlns:r="http://schemas.openxmlformats.org/officeDocument/2006/relationships" xmlns:p="http://schemas.openxmlformats.org/presentationml/2006/main">
   <p:cSld>
     <p:spTree>
@@ -30878,7 +31105,7 @@
 </p:sld>
 </file>
 
-<file path=ppt/slides/slide16.xml><?xml version="1.0" encoding="utf-8"?>
+<file path=ppt/slides/slide17.xml><?xml version="1.0" encoding="utf-8"?>
 <p:sld xmlns:a="http://schemas.openxmlformats.org/drawingml/2006/main" xmlns:r="http://schemas.openxmlformats.org/officeDocument/2006/relationships" xmlns:p="http://schemas.openxmlformats.org/presentationml/2006/main">
   <p:cSld>
     <p:spTree>
@@ -31204,7 +31431,7 @@
 </p:sld>
 </file>
 
-<file path=ppt/slides/slide17.xml><?xml version="1.0" encoding="utf-8"?>
+<file path=ppt/slides/slide18.xml><?xml version="1.0" encoding="utf-8"?>
 <p:sld xmlns:a="http://schemas.openxmlformats.org/drawingml/2006/main" xmlns:r="http://schemas.openxmlformats.org/officeDocument/2006/relationships" xmlns:p="http://schemas.openxmlformats.org/presentationml/2006/main">
   <p:cSld>
     <p:spTree>
@@ -31362,7 +31589,7 @@
 </p:sld>
 </file>
 
-<file path=ppt/slides/slide18.xml><?xml version="1.0" encoding="utf-8"?>
+<file path=ppt/slides/slide19.xml><?xml version="1.0" encoding="utf-8"?>
 <p:sld xmlns:a="http://schemas.openxmlformats.org/drawingml/2006/main" xmlns:r="http://schemas.openxmlformats.org/officeDocument/2006/relationships" xmlns:p="http://schemas.openxmlformats.org/presentationml/2006/main">
   <p:cSld>
     <p:spTree>
@@ -31631,6 +31858,207 @@
       </p:grpSpPr>
       <p:sp>
         <p:nvSpPr>
+          <p:cNvPr id="3" name="제목 2">
+            <a:extLst>
+              <a:ext uri="{FF2B5EF4-FFF2-40B4-BE49-F238E27FC236}">
+                <a16:creationId xmlns:a16="http://schemas.microsoft.com/office/drawing/2014/main" id="{65EB54A6-4F0F-4107-88E1-0E9D51BA169E}"/>
+              </a:ext>
+            </a:extLst>
+          </p:cNvPr>
+          <p:cNvSpPr>
+            <a:spLocks noGrp="1"/>
+          </p:cNvSpPr>
+          <p:nvPr>
+            <p:ph type="title"/>
+          </p:nvPr>
+        </p:nvSpPr>
+        <p:spPr/>
+        <p:txBody>
+          <a:bodyPr/>
+          <a:lstStyle/>
+          <a:p>
+            <a:r>
+              <a:rPr lang="ko-KR" altLang="en-US" dirty="0"/>
+              <a:t>프로젝트 목표</a:t>
+            </a:r>
+          </a:p>
+        </p:txBody>
+      </p:sp>
+      <p:sp>
+        <p:nvSpPr>
+          <p:cNvPr id="4" name="TextBox 3">
+            <a:extLst>
+              <a:ext uri="{FF2B5EF4-FFF2-40B4-BE49-F238E27FC236}">
+                <a16:creationId xmlns:a16="http://schemas.microsoft.com/office/drawing/2014/main" id="{C14647E9-7F69-461D-A11D-1144E961A131}"/>
+              </a:ext>
+            </a:extLst>
+          </p:cNvPr>
+          <p:cNvSpPr txBox="1"/>
+          <p:nvPr/>
+        </p:nvSpPr>
+        <p:spPr>
+          <a:xfrm>
+            <a:off x="3668583" y="3429000"/>
+            <a:ext cx="1791313" cy="523220"/>
+          </a:xfrm>
+          <a:prstGeom prst="rect">
+            <a:avLst/>
+          </a:prstGeom>
+          <a:noFill/>
+        </p:spPr>
+        <p:txBody>
+          <a:bodyPr wrap="square" rtlCol="0">
+            <a:spAutoFit/>
+          </a:bodyPr>
+          <a:lstStyle/>
+          <a:p>
+            <a:r>
+              <a:rPr lang="ko-KR" altLang="en-US" sz="2800" dirty="0"/>
+              <a:t>웹페이지</a:t>
+            </a:r>
+          </a:p>
+        </p:txBody>
+      </p:sp>
+      <p:sp>
+        <p:nvSpPr>
+          <p:cNvPr id="5" name="TextBox 4">
+            <a:extLst>
+              <a:ext uri="{FF2B5EF4-FFF2-40B4-BE49-F238E27FC236}">
+                <a16:creationId xmlns:a16="http://schemas.microsoft.com/office/drawing/2014/main" id="{F0B07275-A3D8-412D-AD38-F7F9BD024E1C}"/>
+              </a:ext>
+            </a:extLst>
+          </p:cNvPr>
+          <p:cNvSpPr txBox="1"/>
+          <p:nvPr/>
+        </p:nvSpPr>
+        <p:spPr>
+          <a:xfrm>
+            <a:off x="6930886" y="3429000"/>
+            <a:ext cx="1791313" cy="523220"/>
+          </a:xfrm>
+          <a:prstGeom prst="rect">
+            <a:avLst/>
+          </a:prstGeom>
+          <a:noFill/>
+        </p:spPr>
+        <p:txBody>
+          <a:bodyPr wrap="square" rtlCol="0">
+            <a:spAutoFit/>
+          </a:bodyPr>
+          <a:lstStyle/>
+          <a:p>
+            <a:r>
+              <a:rPr lang="ko-KR" altLang="en-US" sz="2800" dirty="0" err="1"/>
+              <a:t>크롤링</a:t>
+            </a:r>
+            <a:r>
+              <a:rPr lang="ko-KR" altLang="en-US" sz="2800" dirty="0"/>
+              <a:t> </a:t>
+            </a:r>
+            <a:r>
+              <a:rPr lang="en-US" altLang="ko-KR" sz="2800" dirty="0" err="1"/>
+              <a:t>db</a:t>
+            </a:r>
+            <a:endParaRPr lang="ko-KR" altLang="en-US" sz="2800" dirty="0"/>
+          </a:p>
+        </p:txBody>
+      </p:sp>
+      <p:sp>
+        <p:nvSpPr>
+          <p:cNvPr id="6" name="화살표: 왼쪽/오른쪽 5">
+            <a:extLst>
+              <a:ext uri="{FF2B5EF4-FFF2-40B4-BE49-F238E27FC236}">
+                <a16:creationId xmlns:a16="http://schemas.microsoft.com/office/drawing/2014/main" id="{704F184E-6CDC-4DD8-BAD7-9148D53349BF}"/>
+              </a:ext>
+            </a:extLst>
+          </p:cNvPr>
+          <p:cNvSpPr/>
+          <p:nvPr/>
+        </p:nvSpPr>
+        <p:spPr>
+          <a:xfrm>
+            <a:off x="5539406" y="3483545"/>
+            <a:ext cx="1192700" cy="414130"/>
+          </a:xfrm>
+          <a:prstGeom prst="leftRightArrow">
+            <a:avLst/>
+          </a:prstGeom>
+          <a:solidFill>
+            <a:schemeClr val="bg1">
+              <a:lumMod val="75000"/>
+            </a:schemeClr>
+          </a:solidFill>
+        </p:spPr>
+        <p:style>
+          <a:lnRef idx="2">
+            <a:schemeClr val="dk1">
+              <a:shade val="50000"/>
+            </a:schemeClr>
+          </a:lnRef>
+          <a:fillRef idx="1">
+            <a:schemeClr val="dk1"/>
+          </a:fillRef>
+          <a:effectRef idx="0">
+            <a:schemeClr val="dk1"/>
+          </a:effectRef>
+          <a:fontRef idx="minor">
+            <a:schemeClr val="lt1"/>
+          </a:fontRef>
+        </p:style>
+        <p:txBody>
+          <a:bodyPr rtlCol="0" anchor="ctr"/>
+          <a:lstStyle/>
+          <a:p>
+            <a:pPr algn="ctr"/>
+            <a:endParaRPr lang="ko-KR" altLang="en-US" b="1">
+              <a:ln w="22225">
+                <a:solidFill>
+                  <a:schemeClr val="accent2"/>
+                </a:solidFill>
+                <a:prstDash val="solid"/>
+              </a:ln>
+              <a:solidFill>
+                <a:schemeClr val="accent2">
+                  <a:lumMod val="40000"/>
+                  <a:lumOff val="60000"/>
+                </a:schemeClr>
+              </a:solidFill>
+            </a:endParaRPr>
+          </a:p>
+        </p:txBody>
+      </p:sp>
+    </p:spTree>
+    <p:extLst>
+      <p:ext uri="{BB962C8B-B14F-4D97-AF65-F5344CB8AC3E}">
+        <p14:creationId xmlns:p14="http://schemas.microsoft.com/office/powerpoint/2010/main" val="2376749263"/>
+      </p:ext>
+    </p:extLst>
+  </p:cSld>
+  <p:clrMapOvr>
+    <a:masterClrMapping/>
+  </p:clrMapOvr>
+</p:sld>
+</file>
+
+<file path=ppt/slides/slide4.xml><?xml version="1.0" encoding="utf-8"?>
+<p:sld xmlns:a="http://schemas.openxmlformats.org/drawingml/2006/main" xmlns:r="http://schemas.openxmlformats.org/officeDocument/2006/relationships" xmlns:p="http://schemas.openxmlformats.org/presentationml/2006/main">
+  <p:cSld>
+    <p:spTree>
+      <p:nvGrpSpPr>
+        <p:cNvPr id="1" name=""/>
+        <p:cNvGrpSpPr/>
+        <p:nvPr/>
+      </p:nvGrpSpPr>
+      <p:grpSpPr>
+        <a:xfrm>
+          <a:off x="0" y="0"/>
+          <a:ext cx="0" cy="0"/>
+          <a:chOff x="0" y="0"/>
+          <a:chExt cx="0" cy="0"/>
+        </a:xfrm>
+      </p:grpSpPr>
+      <p:sp>
+        <p:nvSpPr>
           <p:cNvPr id="8" name="텍스트 개체 틀 7">
             <a:extLst>
               <a:ext uri="{FF2B5EF4-FFF2-40B4-BE49-F238E27FC236}">
@@ -31776,7 +32204,7 @@
 </p:sld>
 </file>
 
-<file path=ppt/slides/slide4.xml><?xml version="1.0" encoding="utf-8"?>
+<file path=ppt/slides/slide5.xml><?xml version="1.0" encoding="utf-8"?>
 <p:sld xmlns:a="http://schemas.openxmlformats.org/drawingml/2006/main" xmlns:r="http://schemas.openxmlformats.org/officeDocument/2006/relationships" xmlns:p="http://schemas.openxmlformats.org/presentationml/2006/main">
   <p:cSld>
     <p:spTree>
@@ -31940,7 +32368,7 @@
 </p:sld>
 </file>
 
-<file path=ppt/slides/slide5.xml><?xml version="1.0" encoding="utf-8"?>
+<file path=ppt/slides/slide6.xml><?xml version="1.0" encoding="utf-8"?>
 <p:sld xmlns:a="http://schemas.openxmlformats.org/drawingml/2006/main" xmlns:r="http://schemas.openxmlformats.org/officeDocument/2006/relationships" xmlns:p="http://schemas.openxmlformats.org/presentationml/2006/main">
   <p:cSld>
     <p:spTree>
@@ -32041,7 +32469,7 @@
 </p:sld>
 </file>
 
-<file path=ppt/slides/slide6.xml><?xml version="1.0" encoding="utf-8"?>
+<file path=ppt/slides/slide7.xml><?xml version="1.0" encoding="utf-8"?>
 <p:sld xmlns:a="http://schemas.openxmlformats.org/drawingml/2006/main" xmlns:r="http://schemas.openxmlformats.org/officeDocument/2006/relationships" xmlns:p="http://schemas.openxmlformats.org/presentationml/2006/main">
   <p:cSld>
     <p:spTree>
@@ -32200,7 +32628,7 @@
 </p:sld>
 </file>
 
-<file path=ppt/slides/slide7.xml><?xml version="1.0" encoding="utf-8"?>
+<file path=ppt/slides/slide8.xml><?xml version="1.0" encoding="utf-8"?>
 <p:sld xmlns:a="http://schemas.openxmlformats.org/drawingml/2006/main" xmlns:r="http://schemas.openxmlformats.org/officeDocument/2006/relationships" xmlns:p="http://schemas.openxmlformats.org/presentationml/2006/main">
   <p:cSld>
     <p:spTree>
@@ -32359,7 +32787,7 @@
 </p:sld>
 </file>
 
-<file path=ppt/slides/slide8.xml><?xml version="1.0" encoding="utf-8"?>
+<file path=ppt/slides/slide9.xml><?xml version="1.0" encoding="utf-8"?>
 <p:sld xmlns:a="http://schemas.openxmlformats.org/drawingml/2006/main" xmlns:r="http://schemas.openxmlformats.org/officeDocument/2006/relationships" xmlns:p="http://schemas.openxmlformats.org/presentationml/2006/main">
   <p:cSld>
     <p:spTree>
@@ -32560,232 +32988,6 @@
     <p:extLst>
       <p:ext uri="{BB962C8B-B14F-4D97-AF65-F5344CB8AC3E}">
         <p14:creationId xmlns:p14="http://schemas.microsoft.com/office/powerpoint/2010/main" val="3557786086"/>
-      </p:ext>
-    </p:extLst>
-  </p:cSld>
-  <p:clrMapOvr>
-    <a:masterClrMapping/>
-  </p:clrMapOvr>
-</p:sld>
-</file>
-
-<file path=ppt/slides/slide9.xml><?xml version="1.0" encoding="utf-8"?>
-<p:sld xmlns:a="http://schemas.openxmlformats.org/drawingml/2006/main" xmlns:r="http://schemas.openxmlformats.org/officeDocument/2006/relationships" xmlns:p="http://schemas.openxmlformats.org/presentationml/2006/main">
-  <p:cSld>
-    <p:spTree>
-      <p:nvGrpSpPr>
-        <p:cNvPr id="1" name=""/>
-        <p:cNvGrpSpPr/>
-        <p:nvPr/>
-      </p:nvGrpSpPr>
-      <p:grpSpPr>
-        <a:xfrm>
-          <a:off x="0" y="0"/>
-          <a:ext cx="0" cy="0"/>
-          <a:chOff x="0" y="0"/>
-          <a:chExt cx="0" cy="0"/>
-        </a:xfrm>
-      </p:grpSpPr>
-      <p:sp>
-        <p:nvSpPr>
-          <p:cNvPr id="5" name="제목 4">
-            <a:extLst>
-              <a:ext uri="{FF2B5EF4-FFF2-40B4-BE49-F238E27FC236}">
-                <a16:creationId xmlns:a16="http://schemas.microsoft.com/office/drawing/2014/main" id="{3BF7FE75-DCE6-44C3-8976-4F4218B34DE1}"/>
-              </a:ext>
-            </a:extLst>
-          </p:cNvPr>
-          <p:cNvSpPr>
-            <a:spLocks noGrp="1"/>
-          </p:cNvSpPr>
-          <p:nvPr>
-            <p:ph type="title"/>
-          </p:nvPr>
-        </p:nvSpPr>
-        <p:spPr/>
-        <p:txBody>
-          <a:bodyPr/>
-          <a:lstStyle/>
-          <a:p>
-            <a:r>
-              <a:rPr lang="en-US" altLang="ko-KR" dirty="0"/>
-              <a:t>2</a:t>
-            </a:r>
-            <a:r>
-              <a:rPr lang="ko-KR" altLang="en-US" dirty="0"/>
-              <a:t>차 웹페이지</a:t>
-            </a:r>
-          </a:p>
-        </p:txBody>
-      </p:sp>
-      <p:sp>
-        <p:nvSpPr>
-          <p:cNvPr id="6" name="부제목 5">
-            <a:extLst>
-              <a:ext uri="{FF2B5EF4-FFF2-40B4-BE49-F238E27FC236}">
-                <a16:creationId xmlns:a16="http://schemas.microsoft.com/office/drawing/2014/main" id="{71E9C2EC-57B2-4217-8940-7DC6DF79F1BD}"/>
-              </a:ext>
-            </a:extLst>
-          </p:cNvPr>
-          <p:cNvSpPr>
-            <a:spLocks noGrp="1"/>
-          </p:cNvSpPr>
-          <p:nvPr>
-            <p:ph type="subTitle" idx="1"/>
-          </p:nvPr>
-        </p:nvSpPr>
-        <p:spPr/>
-        <p:txBody>
-          <a:bodyPr/>
-          <a:lstStyle/>
-          <a:p>
-            <a:pPr marL="482600" indent="-342900">
-              <a:buFont typeface="Wingdings" panose="05000000000000000000" pitchFamily="2" charset="2"/>
-              <a:buChar char="v"/>
-            </a:pPr>
-            <a:r>
-              <a:rPr lang="ko-KR" altLang="en-US" dirty="0"/>
-              <a:t>페이지 설명</a:t>
-            </a:r>
-          </a:p>
-        </p:txBody>
-      </p:sp>
-      <p:cxnSp>
-        <p:nvCxnSpPr>
-          <p:cNvPr id="8" name="직선 연결선 7">
-            <a:extLst>
-              <a:ext uri="{FF2B5EF4-FFF2-40B4-BE49-F238E27FC236}">
-                <a16:creationId xmlns:a16="http://schemas.microsoft.com/office/drawing/2014/main" id="{6201F1FF-9D4B-4BBB-97B0-1BD013763669}"/>
-              </a:ext>
-            </a:extLst>
-          </p:cNvPr>
-          <p:cNvCxnSpPr>
-            <a:cxnSpLocks/>
-          </p:cNvCxnSpPr>
-          <p:nvPr/>
-        </p:nvCxnSpPr>
-        <p:spPr>
-          <a:xfrm>
-            <a:off x="961121" y="2523467"/>
-            <a:ext cx="2877548" cy="0"/>
-          </a:xfrm>
-          <a:prstGeom prst="line">
-            <a:avLst/>
-          </a:prstGeom>
-        </p:spPr>
-        <p:style>
-          <a:lnRef idx="2">
-            <a:schemeClr val="dk1"/>
-          </a:lnRef>
-          <a:fillRef idx="0">
-            <a:schemeClr val="dk1"/>
-          </a:fillRef>
-          <a:effectRef idx="1">
-            <a:schemeClr val="dk1"/>
-          </a:effectRef>
-          <a:fontRef idx="minor">
-            <a:schemeClr val="tx1"/>
-          </a:fontRef>
-        </p:style>
-      </p:cxnSp>
-      <p:pic>
-        <p:nvPicPr>
-          <p:cNvPr id="2050" name="Picture 2">
-            <a:extLst>
-              <a:ext uri="{FF2B5EF4-FFF2-40B4-BE49-F238E27FC236}">
-                <a16:creationId xmlns:a16="http://schemas.microsoft.com/office/drawing/2014/main" id="{A63D1BEE-CB6D-4A98-88DD-7B16A82096E3}"/>
-              </a:ext>
-            </a:extLst>
-          </p:cNvPr>
-          <p:cNvPicPr>
-            <a:picLocks noChangeAspect="1" noChangeArrowheads="1"/>
-          </p:cNvPicPr>
-          <p:nvPr/>
-        </p:nvPicPr>
-        <p:blipFill>
-          <a:blip r:embed="rId3">
-            <a:extLst>
-              <a:ext uri="{28A0092B-C50C-407E-A947-70E740481C1C}">
-                <a14:useLocalDpi xmlns:a14="http://schemas.microsoft.com/office/drawing/2010/main" val="0"/>
-              </a:ext>
-            </a:extLst>
-          </a:blip>
-          <a:srcRect/>
-          <a:stretch>
-            <a:fillRect/>
-          </a:stretch>
-        </p:blipFill>
-        <p:spPr bwMode="auto">
-          <a:xfrm>
-            <a:off x="6805669" y="1952795"/>
-            <a:ext cx="5319666" cy="963337"/>
-          </a:xfrm>
-          <a:prstGeom prst="rect">
-            <a:avLst/>
-          </a:prstGeom>
-          <a:noFill/>
-          <a:extLst>
-            <a:ext uri="{909E8E84-426E-40DD-AFC4-6F175D3DCCD1}">
-              <a14:hiddenFill xmlns:a14="http://schemas.microsoft.com/office/drawing/2010/main">
-                <a:solidFill>
-                  <a:srgbClr val="FFFFFF"/>
-                </a:solidFill>
-              </a14:hiddenFill>
-            </a:ext>
-          </a:extLst>
-        </p:spPr>
-      </p:pic>
-      <p:pic>
-        <p:nvPicPr>
-          <p:cNvPr id="2052" name="Picture 4">
-            <a:extLst>
-              <a:ext uri="{FF2B5EF4-FFF2-40B4-BE49-F238E27FC236}">
-                <a16:creationId xmlns:a16="http://schemas.microsoft.com/office/drawing/2014/main" id="{02B4C663-375A-4140-90A0-1A51E95F7713}"/>
-              </a:ext>
-            </a:extLst>
-          </p:cNvPr>
-          <p:cNvPicPr>
-            <a:picLocks noChangeAspect="1" noChangeArrowheads="1"/>
-          </p:cNvPicPr>
-          <p:nvPr/>
-        </p:nvPicPr>
-        <p:blipFill>
-          <a:blip r:embed="rId4">
-            <a:extLst>
-              <a:ext uri="{28A0092B-C50C-407E-A947-70E740481C1C}">
-                <a14:useLocalDpi xmlns:a14="http://schemas.microsoft.com/office/drawing/2010/main" val="0"/>
-              </a:ext>
-            </a:extLst>
-          </a:blip>
-          <a:srcRect/>
-          <a:stretch>
-            <a:fillRect/>
-          </a:stretch>
-        </p:blipFill>
-        <p:spPr bwMode="auto">
-          <a:xfrm>
-            <a:off x="6492382" y="3670660"/>
-            <a:ext cx="5819492" cy="663874"/>
-          </a:xfrm>
-          <a:prstGeom prst="rect">
-            <a:avLst/>
-          </a:prstGeom>
-          <a:noFill/>
-          <a:extLst>
-            <a:ext uri="{909E8E84-426E-40DD-AFC4-6F175D3DCCD1}">
-              <a14:hiddenFill xmlns:a14="http://schemas.microsoft.com/office/drawing/2010/main">
-                <a:solidFill>
-                  <a:srgbClr val="FFFFFF"/>
-                </a:solidFill>
-              </a14:hiddenFill>
-            </a:ext>
-          </a:extLst>
-        </p:spPr>
-      </p:pic>
-    </p:spTree>
-    <p:extLst>
-      <p:ext uri="{BB962C8B-B14F-4D97-AF65-F5344CB8AC3E}">
-        <p14:creationId xmlns:p14="http://schemas.microsoft.com/office/powerpoint/2010/main" val="3000768405"/>
       </p:ext>
     </p:extLst>
   </p:cSld>
